--- a/Jenkins.pptx
+++ b/Jenkins.pptx
@@ -215,7 +215,7 @@
           <a:p>
             <a:fld id="{99796364-B991-4A8A-B1E4-69AC54504AD8}" type="datetimeFigureOut">
               <a:rPr lang="en-US" smtClean="0"/>
-              <a:t>12/7/2017</a:t>
+              <a:t>1/4/2018</a:t>
             </a:fld>
             <a:endParaRPr lang="en-US"/>
           </a:p>
@@ -3410,7 +3410,7 @@
           <a:p>
             <a:fld id="{F6D8D447-53B0-4080-A891-44233A92BC16}" type="datetimeFigureOut">
               <a:rPr lang="en-US" smtClean="0"/>
-              <a:t>12/7/2017</a:t>
+              <a:t>1/4/2018</a:t>
             </a:fld>
             <a:endParaRPr lang="en-US"/>
           </a:p>
@@ -3580,7 +3580,7 @@
           <a:p>
             <a:fld id="{F6D8D447-53B0-4080-A891-44233A92BC16}" type="datetimeFigureOut">
               <a:rPr lang="en-US" smtClean="0"/>
-              <a:t>12/7/2017</a:t>
+              <a:t>1/4/2018</a:t>
             </a:fld>
             <a:endParaRPr lang="en-US"/>
           </a:p>
@@ -3760,7 +3760,7 @@
           <a:p>
             <a:fld id="{F6D8D447-53B0-4080-A891-44233A92BC16}" type="datetimeFigureOut">
               <a:rPr lang="en-US" smtClean="0"/>
-              <a:t>12/7/2017</a:t>
+              <a:t>1/4/2018</a:t>
             </a:fld>
             <a:endParaRPr lang="en-US"/>
           </a:p>
@@ -3930,7 +3930,7 @@
           <a:p>
             <a:fld id="{F6D8D447-53B0-4080-A891-44233A92BC16}" type="datetimeFigureOut">
               <a:rPr lang="en-US" smtClean="0"/>
-              <a:t>12/7/2017</a:t>
+              <a:t>1/4/2018</a:t>
             </a:fld>
             <a:endParaRPr lang="en-US"/>
           </a:p>
@@ -4176,7 +4176,7 @@
           <a:p>
             <a:fld id="{F6D8D447-53B0-4080-A891-44233A92BC16}" type="datetimeFigureOut">
               <a:rPr lang="en-US" smtClean="0"/>
-              <a:t>12/7/2017</a:t>
+              <a:t>1/4/2018</a:t>
             </a:fld>
             <a:endParaRPr lang="en-US"/>
           </a:p>
@@ -4464,7 +4464,7 @@
           <a:p>
             <a:fld id="{F6D8D447-53B0-4080-A891-44233A92BC16}" type="datetimeFigureOut">
               <a:rPr lang="en-US" smtClean="0"/>
-              <a:t>12/7/2017</a:t>
+              <a:t>1/4/2018</a:t>
             </a:fld>
             <a:endParaRPr lang="en-US"/>
           </a:p>
@@ -4886,7 +4886,7 @@
           <a:p>
             <a:fld id="{F6D8D447-53B0-4080-A891-44233A92BC16}" type="datetimeFigureOut">
               <a:rPr lang="en-US" smtClean="0"/>
-              <a:t>12/7/2017</a:t>
+              <a:t>1/4/2018</a:t>
             </a:fld>
             <a:endParaRPr lang="en-US"/>
           </a:p>
@@ -5004,7 +5004,7 @@
           <a:p>
             <a:fld id="{F6D8D447-53B0-4080-A891-44233A92BC16}" type="datetimeFigureOut">
               <a:rPr lang="en-US" smtClean="0"/>
-              <a:t>12/7/2017</a:t>
+              <a:t>1/4/2018</a:t>
             </a:fld>
             <a:endParaRPr lang="en-US"/>
           </a:p>
@@ -5099,7 +5099,7 @@
           <a:p>
             <a:fld id="{F6D8D447-53B0-4080-A891-44233A92BC16}" type="datetimeFigureOut">
               <a:rPr lang="en-US" smtClean="0"/>
-              <a:t>12/7/2017</a:t>
+              <a:t>1/4/2018</a:t>
             </a:fld>
             <a:endParaRPr lang="en-US"/>
           </a:p>
@@ -5376,7 +5376,7 @@
           <a:p>
             <a:fld id="{F6D8D447-53B0-4080-A891-44233A92BC16}" type="datetimeFigureOut">
               <a:rPr lang="en-US" smtClean="0"/>
-              <a:t>12/7/2017</a:t>
+              <a:t>1/4/2018</a:t>
             </a:fld>
             <a:endParaRPr lang="en-US"/>
           </a:p>
@@ -5629,7 +5629,7 @@
           <a:p>
             <a:fld id="{F6D8D447-53B0-4080-A891-44233A92BC16}" type="datetimeFigureOut">
               <a:rPr lang="en-US" smtClean="0"/>
-              <a:t>12/7/2017</a:t>
+              <a:t>1/4/2018</a:t>
             </a:fld>
             <a:endParaRPr lang="en-US"/>
           </a:p>
@@ -5842,7 +5842,7 @@
           <a:p>
             <a:fld id="{F6D8D447-53B0-4080-A891-44233A92BC16}" type="datetimeFigureOut">
               <a:rPr lang="en-US" smtClean="0"/>
-              <a:t>12/7/2017</a:t>
+              <a:t>1/4/2018</a:t>
             </a:fld>
             <a:endParaRPr lang="en-US"/>
           </a:p>
